--- a/권도운/기후변화로 인한 겨울 변화.pptx
+++ b/권도운/기후변화로 인한 겨울 변화.pptx
@@ -6,9 +6,10 @@
   </p:sldMasterIdLst>
   <p:sldIdLst>
     <p:sldId id="256" r:id="rId2"/>
-    <p:sldId id="258" r:id="rId3"/>
-    <p:sldId id="257" r:id="rId4"/>
-    <p:sldId id="259" r:id="rId5"/>
+    <p:sldId id="260" r:id="rId3"/>
+    <p:sldId id="258" r:id="rId4"/>
+    <p:sldId id="257" r:id="rId5"/>
+    <p:sldId id="259" r:id="rId6"/>
   </p:sldIdLst>
   <p:sldSz cx="12192000" cy="6858000"/>
   <p:notesSz cx="6858000" cy="9144000"/>
@@ -107,6 +108,11 @@
       </a:defRPr>
     </a:lvl9pPr>
   </p:defaultTextStyle>
+  <p:extLst>
+    <p:ext uri="{EFAFB233-063F-42B5-8137-9DF3F51BA10A}">
+      <p15:sldGuideLst xmlns:p15="http://schemas.microsoft.com/office/powerpoint/2012/main"/>
+    </p:ext>
+  </p:extLst>
 </p:presentation>
 </file>
 
@@ -3326,10 +3332,10 @@
       </p:grpSpPr>
       <p:pic>
         <p:nvPicPr>
-          <p:cNvPr id="15" name="그림 14">
-            <a:extLst>
-              <a:ext uri="{FF2B5EF4-FFF2-40B4-BE49-F238E27FC236}">
-                <a16:creationId xmlns:a16="http://schemas.microsoft.com/office/drawing/2014/main" id="{CDE3621A-57A4-4865-A9FD-F94C5B3E16F6}"/>
+          <p:cNvPr id="11" name="그림 10">
+            <a:extLst>
+              <a:ext uri="{FF2B5EF4-FFF2-40B4-BE49-F238E27FC236}">
+                <a16:creationId xmlns:a16="http://schemas.microsoft.com/office/drawing/2014/main" id="{896BA1FA-7BEB-404A-84C1-3549EA9FA49A}"/>
               </a:ext>
             </a:extLst>
           </p:cNvPr>
@@ -3339,15 +3345,93 @@
           <p:nvPr/>
         </p:nvPicPr>
         <p:blipFill>
-          <a:blip r:embed="rId2"/>
+          <a:blip r:embed="rId2">
+            <a:extLst>
+              <a:ext uri="{28A0092B-C50C-407E-A947-70E740481C1C}">
+                <a14:useLocalDpi xmlns:a14="http://schemas.microsoft.com/office/drawing/2010/main" val="0"/>
+              </a:ext>
+            </a:extLst>
+          </a:blip>
           <a:stretch>
             <a:fillRect/>
           </a:stretch>
         </p:blipFill>
         <p:spPr>
           <a:xfrm>
-            <a:off x="0" y="1051687"/>
-            <a:ext cx="12192000" cy="4754625"/>
+            <a:off x="3786778" y="562862"/>
+            <a:ext cx="3748116" cy="2736764"/>
+          </a:xfrm>
+          <a:prstGeom prst="rect">
+            <a:avLst/>
+          </a:prstGeom>
+        </p:spPr>
+      </p:pic>
+      <p:pic>
+        <p:nvPicPr>
+          <p:cNvPr id="13" name="그림 12">
+            <a:extLst>
+              <a:ext uri="{FF2B5EF4-FFF2-40B4-BE49-F238E27FC236}">
+                <a16:creationId xmlns:a16="http://schemas.microsoft.com/office/drawing/2014/main" id="{F9984BEF-E8E9-4087-B785-C3FB7BB83C1C}"/>
+              </a:ext>
+            </a:extLst>
+          </p:cNvPr>
+          <p:cNvPicPr>
+            <a:picLocks noChangeAspect="1"/>
+          </p:cNvPicPr>
+          <p:nvPr/>
+        </p:nvPicPr>
+        <p:blipFill>
+          <a:blip r:embed="rId3">
+            <a:extLst>
+              <a:ext uri="{28A0092B-C50C-407E-A947-70E740481C1C}">
+                <a14:useLocalDpi xmlns:a14="http://schemas.microsoft.com/office/drawing/2010/main" val="0"/>
+              </a:ext>
+            </a:extLst>
+          </a:blip>
+          <a:stretch>
+            <a:fillRect/>
+          </a:stretch>
+        </p:blipFill>
+        <p:spPr>
+          <a:xfrm>
+            <a:off x="1971111" y="305651"/>
+            <a:ext cx="6554115" cy="514422"/>
+          </a:xfrm>
+          <a:prstGeom prst="rect">
+            <a:avLst/>
+          </a:prstGeom>
+        </p:spPr>
+      </p:pic>
+      <p:pic>
+        <p:nvPicPr>
+          <p:cNvPr id="18" name="그림 17">
+            <a:extLst>
+              <a:ext uri="{FF2B5EF4-FFF2-40B4-BE49-F238E27FC236}">
+                <a16:creationId xmlns:a16="http://schemas.microsoft.com/office/drawing/2014/main" id="{49F057D2-5BDE-46EC-8DE4-162D6C02CC13}"/>
+              </a:ext>
+            </a:extLst>
+          </p:cNvPr>
+          <p:cNvPicPr>
+            <a:picLocks noChangeAspect="1"/>
+          </p:cNvPicPr>
+          <p:nvPr/>
+        </p:nvPicPr>
+        <p:blipFill>
+          <a:blip r:embed="rId4">
+            <a:extLst>
+              <a:ext uri="{28A0092B-C50C-407E-A947-70E740481C1C}">
+                <a14:useLocalDpi xmlns:a14="http://schemas.microsoft.com/office/drawing/2010/main" val="0"/>
+              </a:ext>
+            </a:extLst>
+          </a:blip>
+          <a:stretch>
+            <a:fillRect/>
+          </a:stretch>
+        </p:blipFill>
+        <p:spPr>
+          <a:xfrm>
+            <a:off x="1140347" y="3429000"/>
+            <a:ext cx="9911305" cy="2918983"/>
           </a:xfrm>
           <a:prstGeom prst="rect">
             <a:avLst/>
@@ -3386,6 +3470,66 @@
       </p:grpSpPr>
       <p:pic>
         <p:nvPicPr>
+          <p:cNvPr id="15" name="그림 14">
+            <a:extLst>
+              <a:ext uri="{FF2B5EF4-FFF2-40B4-BE49-F238E27FC236}">
+                <a16:creationId xmlns:a16="http://schemas.microsoft.com/office/drawing/2014/main" id="{CDE3621A-57A4-4865-A9FD-F94C5B3E16F6}"/>
+              </a:ext>
+            </a:extLst>
+          </p:cNvPr>
+          <p:cNvPicPr>
+            <a:picLocks noChangeAspect="1"/>
+          </p:cNvPicPr>
+          <p:nvPr/>
+        </p:nvPicPr>
+        <p:blipFill>
+          <a:blip r:embed="rId2"/>
+          <a:stretch>
+            <a:fillRect/>
+          </a:stretch>
+        </p:blipFill>
+        <p:spPr>
+          <a:xfrm>
+            <a:off x="0" y="1051687"/>
+            <a:ext cx="12192000" cy="4754625"/>
+          </a:xfrm>
+          <a:prstGeom prst="rect">
+            <a:avLst/>
+          </a:prstGeom>
+        </p:spPr>
+      </p:pic>
+    </p:spTree>
+    <p:extLst>
+      <p:ext uri="{BB962C8B-B14F-4D97-AF65-F5344CB8AC3E}">
+        <p14:creationId xmlns:p14="http://schemas.microsoft.com/office/powerpoint/2010/main" val="759842215"/>
+      </p:ext>
+    </p:extLst>
+  </p:cSld>
+  <p:clrMapOvr>
+    <a:masterClrMapping/>
+  </p:clrMapOvr>
+</p:sld>
+</file>
+
+<file path=ppt/slides/slide3.xml><?xml version="1.0" encoding="utf-8"?>
+<p:sld xmlns:a="http://schemas.openxmlformats.org/drawingml/2006/main" xmlns:r="http://schemas.openxmlformats.org/officeDocument/2006/relationships" xmlns:p="http://schemas.openxmlformats.org/presentationml/2006/main">
+  <p:cSld>
+    <p:spTree>
+      <p:nvGrpSpPr>
+        <p:cNvPr id="1" name=""/>
+        <p:cNvGrpSpPr/>
+        <p:nvPr/>
+      </p:nvGrpSpPr>
+      <p:grpSpPr>
+        <a:xfrm>
+          <a:off x="0" y="0"/>
+          <a:ext cx="0" cy="0"/>
+          <a:chOff x="0" y="0"/>
+          <a:chExt cx="0" cy="0"/>
+        </a:xfrm>
+      </p:grpSpPr>
+      <p:pic>
+        <p:nvPicPr>
           <p:cNvPr id="10" name="그림 9">
             <a:extLst>
               <a:ext uri="{FF2B5EF4-FFF2-40B4-BE49-F238E27FC236}">
@@ -3427,7 +3571,7 @@
 </p:sld>
 </file>
 
-<file path=ppt/slides/slide3.xml><?xml version="1.0" encoding="utf-8"?>
+<file path=ppt/slides/slide4.xml><?xml version="1.0" encoding="utf-8"?>
 <p:sld xmlns:a="http://schemas.openxmlformats.org/drawingml/2006/main" xmlns:r="http://schemas.openxmlformats.org/officeDocument/2006/relationships" xmlns:p="http://schemas.openxmlformats.org/presentationml/2006/main">
   <p:cSld>
     <p:spTree>
@@ -3487,7 +3631,7 @@
 </p:sld>
 </file>
 
-<file path=ppt/slides/slide4.xml><?xml version="1.0" encoding="utf-8"?>
+<file path=ppt/slides/slide5.xml><?xml version="1.0" encoding="utf-8"?>
 <p:sld xmlns:a="http://schemas.openxmlformats.org/drawingml/2006/main" xmlns:r="http://schemas.openxmlformats.org/officeDocument/2006/relationships" xmlns:p="http://schemas.openxmlformats.org/presentationml/2006/main">
   <p:cSld>
     <p:spTree>
